--- a/magicHat/magicHat.pptx
+++ b/magicHat/magicHat.pptx
@@ -7,9 +7,12 @@
   <p:sldIdLst>
     <p:sldId id="256" r:id="rId2"/>
     <p:sldId id="257" r:id="rId3"/>
-    <p:sldId id="259" r:id="rId4"/>
-    <p:sldId id="258" r:id="rId5"/>
-    <p:sldId id="260" r:id="rId6"/>
+    <p:sldId id="258" r:id="rId4"/>
+    <p:sldId id="259" r:id="rId5"/>
+    <p:sldId id="261" r:id="rId6"/>
+    <p:sldId id="262" r:id="rId7"/>
+    <p:sldId id="263" r:id="rId8"/>
+    <p:sldId id="260" r:id="rId9"/>
   </p:sldIdLst>
   <p:sldSz cx="12192000" cy="6858000"/>
   <p:notesSz cx="6858000" cy="9144000"/>
@@ -362,7 +365,7 @@
             <a:fld id="{B61BEF0D-F0BB-DE4B-95CE-6DB70DBA9567}" type="datetimeFigureOut">
               <a:rPr lang="en-US" dirty="0"/>
               <a:pPr/>
-              <a:t>1/21/2018</a:t>
+              <a:t>1/22/2018</a:t>
             </a:fld>
             <a:endParaRPr lang="en-US" dirty="0"/>
           </a:p>
@@ -621,7 +624,7 @@
             <a:fld id="{B61BEF0D-F0BB-DE4B-95CE-6DB70DBA9567}" type="datetimeFigureOut">
               <a:rPr lang="en-US" dirty="0"/>
               <a:pPr/>
-              <a:t>1/21/2018</a:t>
+              <a:t>1/22/2018</a:t>
             </a:fld>
             <a:endParaRPr lang="en-US" dirty="0"/>
           </a:p>
@@ -853,7 +856,7 @@
             <a:fld id="{B61BEF0D-F0BB-DE4B-95CE-6DB70DBA9567}" type="datetimeFigureOut">
               <a:rPr lang="en-US" dirty="0"/>
               <a:pPr/>
-              <a:t>1/21/2018</a:t>
+              <a:t>1/22/2018</a:t>
             </a:fld>
             <a:endParaRPr lang="en-US" dirty="0"/>
           </a:p>
@@ -1090,7 +1093,7 @@
             <a:fld id="{B61BEF0D-F0BB-DE4B-95CE-6DB70DBA9567}" type="datetimeFigureOut">
               <a:rPr lang="en-US" dirty="0"/>
               <a:pPr/>
-              <a:t>1/21/2018</a:t>
+              <a:t>1/22/2018</a:t>
             </a:fld>
             <a:endParaRPr lang="en-US" dirty="0"/>
           </a:p>
@@ -1394,7 +1397,7 @@
             <a:fld id="{B61BEF0D-F0BB-DE4B-95CE-6DB70DBA9567}" type="datetimeFigureOut">
               <a:rPr lang="en-US" dirty="0"/>
               <a:pPr/>
-              <a:t>1/21/2018</a:t>
+              <a:t>1/22/2018</a:t>
             </a:fld>
             <a:endParaRPr lang="en-US" dirty="0"/>
           </a:p>
@@ -1693,7 +1696,7 @@
             <a:fld id="{B61BEF0D-F0BB-DE4B-95CE-6DB70DBA9567}" type="datetimeFigureOut">
               <a:rPr lang="en-US" dirty="0"/>
               <a:pPr/>
-              <a:t>1/21/2018</a:t>
+              <a:t>1/22/2018</a:t>
             </a:fld>
             <a:endParaRPr lang="en-US" dirty="0"/>
           </a:p>
@@ -2112,7 +2115,7 @@
             <a:fld id="{B61BEF0D-F0BB-DE4B-95CE-6DB70DBA9567}" type="datetimeFigureOut">
               <a:rPr lang="en-US" dirty="0"/>
               <a:pPr/>
-              <a:t>1/21/2018</a:t>
+              <a:t>1/22/2018</a:t>
             </a:fld>
             <a:endParaRPr lang="en-US" dirty="0"/>
           </a:p>
@@ -2204,7 +2207,7 @@
             <a:fld id="{B61BEF0D-F0BB-DE4B-95CE-6DB70DBA9567}" type="datetimeFigureOut">
               <a:rPr lang="en-US" dirty="0"/>
               <a:pPr/>
-              <a:t>1/21/2018</a:t>
+              <a:t>1/22/2018</a:t>
             </a:fld>
             <a:endParaRPr lang="en-US" dirty="0"/>
           </a:p>
@@ -2363,7 +2366,7 @@
             <a:fld id="{B61BEF0D-F0BB-DE4B-95CE-6DB70DBA9567}" type="datetimeFigureOut">
               <a:rPr lang="en-US" dirty="0"/>
               <a:pPr/>
-              <a:t>1/21/2018</a:t>
+              <a:t>1/22/2018</a:t>
             </a:fld>
             <a:endParaRPr lang="en-US" dirty="0"/>
           </a:p>
@@ -2738,7 +2741,7 @@
             <a:fld id="{B61BEF0D-F0BB-DE4B-95CE-6DB70DBA9567}" type="datetimeFigureOut">
               <a:rPr lang="en-US" dirty="0"/>
               <a:pPr/>
-              <a:t>1/21/2018</a:t>
+              <a:t>1/22/2018</a:t>
             </a:fld>
             <a:endParaRPr lang="en-US" dirty="0"/>
           </a:p>
@@ -3024,7 +3027,7 @@
             <a:fld id="{B61BEF0D-F0BB-DE4B-95CE-6DB70DBA9567}" type="datetimeFigureOut">
               <a:rPr lang="en-US" dirty="0"/>
               <a:pPr/>
-              <a:t>1/21/2018</a:t>
+              <a:t>1/22/2018</a:t>
             </a:fld>
             <a:endParaRPr lang="en-US" dirty="0"/>
           </a:p>
@@ -3232,7 +3235,7 @@
             <a:fld id="{B61BEF0D-F0BB-DE4B-95CE-6DB70DBA9567}" type="datetimeFigureOut">
               <a:rPr lang="en-US" dirty="0"/>
               <a:pPr/>
-              <a:t>1/21/2018</a:t>
+              <a:t>1/22/2018</a:t>
             </a:fld>
             <a:endParaRPr lang="en-US" dirty="0"/>
           </a:p>
@@ -3929,6 +3932,36 @@
           </a:prstGeom>
         </p:spPr>
       </p:pic>
+      <p:pic>
+        <p:nvPicPr>
+          <p:cNvPr id="5" name="Image 4"/>
+          <p:cNvPicPr>
+            <a:picLocks noChangeAspect="1"/>
+          </p:cNvPicPr>
+          <p:nvPr/>
+        </p:nvPicPr>
+        <p:blipFill>
+          <a:blip r:embed="rId3">
+            <a:extLst>
+              <a:ext uri="{28A0092B-C50C-407E-A947-70E740481C1C}">
+                <a14:useLocalDpi xmlns:a14="http://schemas.microsoft.com/office/drawing/2010/main" val="0"/>
+              </a:ext>
+            </a:extLst>
+          </a:blip>
+          <a:stretch>
+            <a:fillRect/>
+          </a:stretch>
+        </p:blipFill>
+        <p:spPr>
+          <a:xfrm rot="20807602">
+            <a:off x="8946042" y="4484353"/>
+            <a:ext cx="1528099" cy="1528099"/>
+          </a:xfrm>
+          <a:prstGeom prst="rect">
+            <a:avLst/>
+          </a:prstGeom>
+        </p:spPr>
+      </p:pic>
     </p:spTree>
     <p:extLst>
       <p:ext uri="{BB962C8B-B14F-4D97-AF65-F5344CB8AC3E}">
@@ -3939,6 +3972,13 @@
   <p:clrMapOvr>
     <a:masterClrMapping/>
   </p:clrMapOvr>
+  <p:timing>
+    <p:tnLst>
+      <p:par>
+        <p:cTn id="1" dur="indefinite" restart="never" nodeType="tmRoot"/>
+      </p:par>
+    </p:tnLst>
+  </p:timing>
 </p:sld>
 </file>
 
@@ -4022,7 +4062,11 @@
           <a:bodyPr/>
           <a:lstStyle/>
           <a:p>
-            <a:endParaRPr lang="fr-CH"/>
+            <a:r>
+              <a:rPr lang="fr-CH" dirty="0" smtClean="0"/>
+              <a:t>Technologies</a:t>
+            </a:r>
+            <a:endParaRPr lang="fr-CH" dirty="0"/>
           </a:p>
         </p:txBody>
       </p:sp>
@@ -4050,6 +4094,40 @@
           </a:prstGeom>
         </p:spPr>
       </p:pic>
+      <p:sp>
+        <p:nvSpPr>
+          <p:cNvPr id="2" name="ZoneTexte 1"/>
+          <p:cNvSpPr txBox="1"/>
+          <p:nvPr/>
+        </p:nvSpPr>
+        <p:spPr>
+          <a:xfrm>
+            <a:off x="5154413" y="3324421"/>
+            <a:ext cx="2308645" cy="646331"/>
+          </a:xfrm>
+          <a:prstGeom prst="rect">
+            <a:avLst/>
+          </a:prstGeom>
+          <a:noFill/>
+        </p:spPr>
+        <p:txBody>
+          <a:bodyPr wrap="none" rtlCol="0">
+            <a:spAutoFit/>
+          </a:bodyPr>
+          <a:lstStyle/>
+          <a:p>
+            <a:r>
+              <a:rPr lang="fr-CH" sz="3600" dirty="0" err="1" smtClean="0">
+                <a:latin typeface="Algerian" panose="04020705040A02060702" pitchFamily="82" charset="0"/>
+              </a:rPr>
+              <a:t>pyKinect</a:t>
+            </a:r>
+            <a:endParaRPr lang="fr-CH" sz="3600" dirty="0">
+              <a:latin typeface="Algerian" panose="04020705040A02060702" pitchFamily="82" charset="0"/>
+            </a:endParaRPr>
+          </a:p>
+        </p:txBody>
+      </p:sp>
     </p:spTree>
     <p:extLst>
       <p:ext uri="{BB962C8B-B14F-4D97-AF65-F5344CB8AC3E}">
@@ -4060,141 +4138,17 @@
   <p:clrMapOvr>
     <a:masterClrMapping/>
   </p:clrMapOvr>
+  <p:timing>
+    <p:tnLst>
+      <p:par>
+        <p:cTn id="1" dur="indefinite" restart="never" nodeType="tmRoot"/>
+      </p:par>
+    </p:tnLst>
+  </p:timing>
 </p:sld>
 </file>
 
 <file path=ppt/slides/slide3.xml><?xml version="1.0" encoding="utf-8"?>
-<p:sld xmlns:a="http://schemas.openxmlformats.org/drawingml/2006/main" xmlns:r="http://schemas.openxmlformats.org/officeDocument/2006/relationships" xmlns:p="http://schemas.openxmlformats.org/presentationml/2006/main">
-  <p:cSld>
-    <p:spTree>
-      <p:nvGrpSpPr>
-        <p:cNvPr id="1" name=""/>
-        <p:cNvGrpSpPr/>
-        <p:nvPr/>
-      </p:nvGrpSpPr>
-      <p:grpSpPr>
-        <a:xfrm>
-          <a:off x="0" y="0"/>
-          <a:ext cx="0" cy="0"/>
-          <a:chOff x="0" y="0"/>
-          <a:chExt cx="0" cy="0"/>
-        </a:xfrm>
-      </p:grpSpPr>
-      <p:sp>
-        <p:nvSpPr>
-          <p:cNvPr id="2" name="Titre 1"/>
-          <p:cNvSpPr>
-            <a:spLocks noGrp="1"/>
-          </p:cNvSpPr>
-          <p:nvPr>
-            <p:ph type="title"/>
-          </p:nvPr>
-        </p:nvSpPr>
-        <p:spPr/>
-        <p:txBody>
-          <a:bodyPr/>
-          <a:lstStyle/>
-          <a:p>
-            <a:r>
-              <a:rPr lang="fr-CH" dirty="0" smtClean="0"/>
-              <a:t>Difficultés</a:t>
-            </a:r>
-            <a:endParaRPr lang="fr-CH" dirty="0"/>
-          </a:p>
-        </p:txBody>
-      </p:sp>
-      <p:sp>
-        <p:nvSpPr>
-          <p:cNvPr id="3" name="Espace réservé du contenu 2"/>
-          <p:cNvSpPr>
-            <a:spLocks noGrp="1"/>
-          </p:cNvSpPr>
-          <p:nvPr>
-            <p:ph idx="1"/>
-          </p:nvPr>
-        </p:nvSpPr>
-        <p:spPr>
-          <a:xfrm>
-            <a:off x="708193" y="2205897"/>
-            <a:ext cx="3787607" cy="1642203"/>
-          </a:xfrm>
-        </p:spPr>
-        <p:style>
-          <a:lnRef idx="1">
-            <a:schemeClr val="accent1"/>
-          </a:lnRef>
-          <a:fillRef idx="3">
-            <a:schemeClr val="accent1"/>
-          </a:fillRef>
-          <a:effectRef idx="2">
-            <a:schemeClr val="accent1"/>
-          </a:effectRef>
-          <a:fontRef idx="minor">
-            <a:schemeClr val="lt1"/>
-          </a:fontRef>
-        </p:style>
-        <p:txBody>
-          <a:bodyPr>
-            <a:noAutofit/>
-          </a:bodyPr>
-          <a:lstStyle/>
-          <a:p>
-            <a:r>
-              <a:rPr lang="fr-CH" sz="2400" dirty="0" smtClean="0"/>
-              <a:t>Fichier source non fonctionnel</a:t>
-            </a:r>
-          </a:p>
-          <a:p>
-            <a:r>
-              <a:rPr lang="fr-CH" sz="2400" dirty="0" smtClean="0"/>
-              <a:t>Documentation </a:t>
-            </a:r>
-            <a:r>
-              <a:rPr lang="fr-CH" sz="2400" dirty="0" err="1" smtClean="0"/>
-              <a:t>pyKinect</a:t>
-            </a:r>
-            <a:endParaRPr lang="fr-CH" sz="2400" dirty="0"/>
-          </a:p>
-        </p:txBody>
-      </p:sp>
-      <p:pic>
-        <p:nvPicPr>
-          <p:cNvPr id="4" name="Image 3"/>
-          <p:cNvPicPr>
-            <a:picLocks noChangeAspect="1"/>
-          </p:cNvPicPr>
-          <p:nvPr/>
-        </p:nvPicPr>
-        <p:blipFill>
-          <a:blip r:embed="rId2"/>
-          <a:stretch>
-            <a:fillRect/>
-          </a:stretch>
-        </p:blipFill>
-        <p:spPr>
-          <a:xfrm>
-            <a:off x="6951662" y="3386137"/>
-            <a:ext cx="2352675" cy="2143125"/>
-          </a:xfrm>
-          <a:prstGeom prst="rect">
-            <a:avLst/>
-          </a:prstGeom>
-        </p:spPr>
-      </p:pic>
-    </p:spTree>
-    <p:extLst>
-      <p:ext uri="{BB962C8B-B14F-4D97-AF65-F5344CB8AC3E}">
-        <p14:creationId xmlns:p14="http://schemas.microsoft.com/office/powerpoint/2010/main" val="578172168"/>
-      </p:ext>
-    </p:extLst>
-  </p:cSld>
-  <p:clrMapOvr>
-    <a:masterClrMapping/>
-  </p:clrMapOvr>
-</p:sld>
-</file>
-
-<file path=ppt/slides/slide4.xml><?xml version="1.0" encoding="utf-8"?>
 <p:sld xmlns:a="http://schemas.openxmlformats.org/drawingml/2006/main" xmlns:r="http://schemas.openxmlformats.org/officeDocument/2006/relationships" xmlns:p="http://schemas.openxmlformats.org/presentationml/2006/main">
   <p:cSld>
     <p:spTree>
@@ -4276,7 +4230,7 @@
         </p:nvSpPr>
         <p:spPr>
           <a:xfrm>
-            <a:off x="797093" y="2257024"/>
+            <a:off x="581192" y="2240846"/>
             <a:ext cx="2466807" cy="1149411"/>
           </a:xfrm>
         </p:spPr>
@@ -4481,6 +4435,151 @@
   <p:clrMapOvr>
     <a:masterClrMapping/>
   </p:clrMapOvr>
+  <p:timing>
+    <p:tnLst>
+      <p:par>
+        <p:cTn id="1" dur="indefinite" restart="never" nodeType="tmRoot"/>
+      </p:par>
+    </p:tnLst>
+  </p:timing>
+</p:sld>
+</file>
+
+<file path=ppt/slides/slide4.xml><?xml version="1.0" encoding="utf-8"?>
+<p:sld xmlns:a="http://schemas.openxmlformats.org/drawingml/2006/main" xmlns:r="http://schemas.openxmlformats.org/officeDocument/2006/relationships" xmlns:p="http://schemas.openxmlformats.org/presentationml/2006/main">
+  <p:cSld>
+    <p:spTree>
+      <p:nvGrpSpPr>
+        <p:cNvPr id="1" name=""/>
+        <p:cNvGrpSpPr/>
+        <p:nvPr/>
+      </p:nvGrpSpPr>
+      <p:grpSpPr>
+        <a:xfrm>
+          <a:off x="0" y="0"/>
+          <a:ext cx="0" cy="0"/>
+          <a:chOff x="0" y="0"/>
+          <a:chExt cx="0" cy="0"/>
+        </a:xfrm>
+      </p:grpSpPr>
+      <p:sp>
+        <p:nvSpPr>
+          <p:cNvPr id="2" name="Titre 1"/>
+          <p:cNvSpPr>
+            <a:spLocks noGrp="1"/>
+          </p:cNvSpPr>
+          <p:nvPr>
+            <p:ph type="title"/>
+          </p:nvPr>
+        </p:nvSpPr>
+        <p:spPr/>
+        <p:txBody>
+          <a:bodyPr/>
+          <a:lstStyle/>
+          <a:p>
+            <a:r>
+              <a:rPr lang="fr-CH" dirty="0" smtClean="0"/>
+              <a:t>Difficultés</a:t>
+            </a:r>
+            <a:endParaRPr lang="fr-CH" dirty="0"/>
+          </a:p>
+        </p:txBody>
+      </p:sp>
+      <p:sp>
+        <p:nvSpPr>
+          <p:cNvPr id="3" name="Espace réservé du contenu 2"/>
+          <p:cNvSpPr>
+            <a:spLocks noGrp="1"/>
+          </p:cNvSpPr>
+          <p:nvPr>
+            <p:ph idx="1"/>
+          </p:nvPr>
+        </p:nvSpPr>
+        <p:spPr>
+          <a:xfrm>
+            <a:off x="581192" y="2231297"/>
+            <a:ext cx="3787607" cy="1642203"/>
+          </a:xfrm>
+        </p:spPr>
+        <p:style>
+          <a:lnRef idx="1">
+            <a:schemeClr val="accent1"/>
+          </a:lnRef>
+          <a:fillRef idx="3">
+            <a:schemeClr val="accent1"/>
+          </a:fillRef>
+          <a:effectRef idx="2">
+            <a:schemeClr val="accent1"/>
+          </a:effectRef>
+          <a:fontRef idx="minor">
+            <a:schemeClr val="lt1"/>
+          </a:fontRef>
+        </p:style>
+        <p:txBody>
+          <a:bodyPr>
+            <a:noAutofit/>
+          </a:bodyPr>
+          <a:lstStyle/>
+          <a:p>
+            <a:r>
+              <a:rPr lang="fr-CH" sz="2400" dirty="0" smtClean="0"/>
+              <a:t>Fichier source non fonctionnel</a:t>
+            </a:r>
+          </a:p>
+          <a:p>
+            <a:r>
+              <a:rPr lang="fr-CH" sz="2400" dirty="0" smtClean="0"/>
+              <a:t>Documentation </a:t>
+            </a:r>
+            <a:r>
+              <a:rPr lang="fr-CH" sz="2400" dirty="0" err="1" smtClean="0"/>
+              <a:t>pyKinect</a:t>
+            </a:r>
+            <a:endParaRPr lang="fr-CH" sz="2400" dirty="0"/>
+          </a:p>
+        </p:txBody>
+      </p:sp>
+      <p:pic>
+        <p:nvPicPr>
+          <p:cNvPr id="4" name="Image 3"/>
+          <p:cNvPicPr>
+            <a:picLocks noChangeAspect="1"/>
+          </p:cNvPicPr>
+          <p:nvPr/>
+        </p:nvPicPr>
+        <p:blipFill>
+          <a:blip r:embed="rId2"/>
+          <a:stretch>
+            <a:fillRect/>
+          </a:stretch>
+        </p:blipFill>
+        <p:spPr>
+          <a:xfrm>
+            <a:off x="6951662" y="3386137"/>
+            <a:ext cx="2352675" cy="2143125"/>
+          </a:xfrm>
+          <a:prstGeom prst="rect">
+            <a:avLst/>
+          </a:prstGeom>
+        </p:spPr>
+      </p:pic>
+    </p:spTree>
+    <p:extLst>
+      <p:ext uri="{BB962C8B-B14F-4D97-AF65-F5344CB8AC3E}">
+        <p14:creationId xmlns:p14="http://schemas.microsoft.com/office/powerpoint/2010/main" val="578172168"/>
+      </p:ext>
+    </p:extLst>
+  </p:cSld>
+  <p:clrMapOvr>
+    <a:masterClrMapping/>
+  </p:clrMapOvr>
+  <p:timing>
+    <p:tnLst>
+      <p:par>
+        <p:cTn id="1" dur="indefinite" restart="never" nodeType="tmRoot"/>
+      </p:par>
+    </p:tnLst>
+  </p:timing>
 </p:sld>
 </file>
 
@@ -4518,6 +4617,411 @@
           <a:p>
             <a:r>
               <a:rPr lang="fr-CH" dirty="0" smtClean="0"/>
+              <a:t>Améliorations</a:t>
+            </a:r>
+            <a:endParaRPr lang="fr-CH" dirty="0"/>
+          </a:p>
+        </p:txBody>
+      </p:sp>
+      <p:sp>
+        <p:nvSpPr>
+          <p:cNvPr id="3" name="Espace réservé du contenu 2"/>
+          <p:cNvSpPr>
+            <a:spLocks noGrp="1"/>
+          </p:cNvSpPr>
+          <p:nvPr>
+            <p:ph idx="1"/>
+          </p:nvPr>
+        </p:nvSpPr>
+        <p:spPr>
+          <a:xfrm>
+            <a:off x="581192" y="2222500"/>
+            <a:ext cx="5044907" cy="2133599"/>
+          </a:xfrm>
+        </p:spPr>
+        <p:style>
+          <a:lnRef idx="1">
+            <a:schemeClr val="accent1"/>
+          </a:lnRef>
+          <a:fillRef idx="3">
+            <a:schemeClr val="accent1"/>
+          </a:fillRef>
+          <a:effectRef idx="2">
+            <a:schemeClr val="accent1"/>
+          </a:effectRef>
+          <a:fontRef idx="minor">
+            <a:schemeClr val="lt1"/>
+          </a:fontRef>
+        </p:style>
+        <p:txBody>
+          <a:bodyPr>
+            <a:normAutofit fontScale="92500" lnSpcReduction="20000"/>
+          </a:bodyPr>
+          <a:lstStyle/>
+          <a:p>
+            <a:endParaRPr lang="fr-CH" sz="2400" dirty="0" smtClean="0"/>
+          </a:p>
+          <a:p>
+            <a:r>
+              <a:rPr lang="fr-CH" sz="2400" dirty="0" smtClean="0"/>
+              <a:t>Squelette =&gt; Magicien</a:t>
+            </a:r>
+          </a:p>
+          <a:p>
+            <a:r>
+              <a:rPr lang="fr-CH" sz="2400" dirty="0" smtClean="0"/>
+              <a:t>Davantage d’objets</a:t>
+            </a:r>
+          </a:p>
+          <a:p>
+            <a:r>
+              <a:rPr lang="fr-CH" sz="2400" dirty="0" smtClean="0"/>
+              <a:t>Plusieurs magiciens en même temps</a:t>
+            </a:r>
+          </a:p>
+          <a:p>
+            <a:r>
+              <a:rPr lang="fr-CH" sz="2400" dirty="0" smtClean="0"/>
+              <a:t>Ajouter du son</a:t>
+            </a:r>
+          </a:p>
+          <a:p>
+            <a:endParaRPr lang="fr-CH" sz="2400" dirty="0"/>
+          </a:p>
+        </p:txBody>
+      </p:sp>
+      <p:pic>
+        <p:nvPicPr>
+          <p:cNvPr id="4" name="Image 3"/>
+          <p:cNvPicPr>
+            <a:picLocks noChangeAspect="1"/>
+          </p:cNvPicPr>
+          <p:nvPr/>
+        </p:nvPicPr>
+        <p:blipFill>
+          <a:blip r:embed="rId2"/>
+          <a:stretch>
+            <a:fillRect/>
+          </a:stretch>
+        </p:blipFill>
+        <p:spPr>
+          <a:xfrm>
+            <a:off x="6891337" y="2570162"/>
+            <a:ext cx="4048125" cy="3571875"/>
+          </a:xfrm>
+          <a:prstGeom prst="rect">
+            <a:avLst/>
+          </a:prstGeom>
+        </p:spPr>
+      </p:pic>
+    </p:spTree>
+    <p:extLst>
+      <p:ext uri="{BB962C8B-B14F-4D97-AF65-F5344CB8AC3E}">
+        <p14:creationId xmlns:p14="http://schemas.microsoft.com/office/powerpoint/2010/main" val="2172488735"/>
+      </p:ext>
+    </p:extLst>
+  </p:cSld>
+  <p:clrMapOvr>
+    <a:masterClrMapping/>
+  </p:clrMapOvr>
+  <p:timing>
+    <p:tnLst>
+      <p:par>
+        <p:cTn id="1" dur="indefinite" restart="never" nodeType="tmRoot"/>
+      </p:par>
+    </p:tnLst>
+  </p:timing>
+</p:sld>
+</file>
+
+<file path=ppt/slides/slide6.xml><?xml version="1.0" encoding="utf-8"?>
+<p:sld xmlns:a="http://schemas.openxmlformats.org/drawingml/2006/main" xmlns:r="http://schemas.openxmlformats.org/officeDocument/2006/relationships" xmlns:p="http://schemas.openxmlformats.org/presentationml/2006/main">
+  <p:cSld>
+    <p:spTree>
+      <p:nvGrpSpPr>
+        <p:cNvPr id="1" name=""/>
+        <p:cNvGrpSpPr/>
+        <p:nvPr/>
+      </p:nvGrpSpPr>
+      <p:grpSpPr>
+        <a:xfrm>
+          <a:off x="0" y="0"/>
+          <a:ext cx="0" cy="0"/>
+          <a:chOff x="0" y="0"/>
+          <a:chExt cx="0" cy="0"/>
+        </a:xfrm>
+      </p:grpSpPr>
+      <p:sp>
+        <p:nvSpPr>
+          <p:cNvPr id="2" name="Titre 1"/>
+          <p:cNvSpPr>
+            <a:spLocks noGrp="1"/>
+          </p:cNvSpPr>
+          <p:nvPr>
+            <p:ph type="title"/>
+          </p:nvPr>
+        </p:nvSpPr>
+        <p:spPr/>
+        <p:txBody>
+          <a:bodyPr/>
+          <a:lstStyle/>
+          <a:p>
+            <a:r>
+              <a:rPr lang="fr-CH" dirty="0" smtClean="0"/>
+              <a:t>Bugs Connus</a:t>
+            </a:r>
+            <a:endParaRPr lang="fr-CH" dirty="0"/>
+          </a:p>
+        </p:txBody>
+      </p:sp>
+      <p:sp>
+        <p:nvSpPr>
+          <p:cNvPr id="3" name="Espace réservé du contenu 2"/>
+          <p:cNvSpPr>
+            <a:spLocks noGrp="1"/>
+          </p:cNvSpPr>
+          <p:nvPr>
+            <p:ph idx="1"/>
+          </p:nvPr>
+        </p:nvSpPr>
+        <p:spPr>
+          <a:xfrm>
+            <a:off x="581192" y="2370997"/>
+            <a:ext cx="8829508" cy="1642204"/>
+          </a:xfrm>
+        </p:spPr>
+        <p:style>
+          <a:lnRef idx="1">
+            <a:schemeClr val="accent1"/>
+          </a:lnRef>
+          <a:fillRef idx="3">
+            <a:schemeClr val="accent1"/>
+          </a:fillRef>
+          <a:effectRef idx="2">
+            <a:schemeClr val="accent1"/>
+          </a:effectRef>
+          <a:fontRef idx="minor">
+            <a:schemeClr val="lt1"/>
+          </a:fontRef>
+        </p:style>
+        <p:txBody>
+          <a:bodyPr>
+            <a:normAutofit/>
+          </a:bodyPr>
+          <a:lstStyle/>
+          <a:p>
+            <a:endParaRPr lang="fr-CH" sz="2400" dirty="0" smtClean="0"/>
+          </a:p>
+          <a:p>
+            <a:r>
+              <a:rPr lang="fr-CH" sz="2400" dirty="0" smtClean="0"/>
+              <a:t>Détection de plusieurs squelettes mais un seul dessiné.</a:t>
+            </a:r>
+          </a:p>
+          <a:p>
+            <a:r>
+              <a:rPr lang="fr-CH" sz="2400" dirty="0" smtClean="0"/>
+              <a:t>Le magicien quitte l’écran, des objets restent parfois visibles.</a:t>
+            </a:r>
+          </a:p>
+          <a:p>
+            <a:endParaRPr lang="fr-CH" sz="2400" dirty="0"/>
+          </a:p>
+        </p:txBody>
+      </p:sp>
+    </p:spTree>
+    <p:extLst>
+      <p:ext uri="{BB962C8B-B14F-4D97-AF65-F5344CB8AC3E}">
+        <p14:creationId xmlns:p14="http://schemas.microsoft.com/office/powerpoint/2010/main" val="2468348169"/>
+      </p:ext>
+    </p:extLst>
+  </p:cSld>
+  <p:clrMapOvr>
+    <a:masterClrMapping/>
+  </p:clrMapOvr>
+  <p:timing>
+    <p:tnLst>
+      <p:par>
+        <p:cTn id="1" dur="indefinite" restart="never" nodeType="tmRoot"/>
+      </p:par>
+    </p:tnLst>
+  </p:timing>
+</p:sld>
+</file>
+
+<file path=ppt/slides/slide7.xml><?xml version="1.0" encoding="utf-8"?>
+<p:sld xmlns:a="http://schemas.openxmlformats.org/drawingml/2006/main" xmlns:r="http://schemas.openxmlformats.org/officeDocument/2006/relationships" xmlns:p="http://schemas.openxmlformats.org/presentationml/2006/main">
+  <p:cSld>
+    <p:spTree>
+      <p:nvGrpSpPr>
+        <p:cNvPr id="1" name=""/>
+        <p:cNvGrpSpPr/>
+        <p:nvPr/>
+      </p:nvGrpSpPr>
+      <p:grpSpPr>
+        <a:xfrm>
+          <a:off x="0" y="0"/>
+          <a:ext cx="0" cy="0"/>
+          <a:chOff x="0" y="0"/>
+          <a:chExt cx="0" cy="0"/>
+        </a:xfrm>
+      </p:grpSpPr>
+      <p:sp>
+        <p:nvSpPr>
+          <p:cNvPr id="2" name="Titre 1"/>
+          <p:cNvSpPr>
+            <a:spLocks noGrp="1"/>
+          </p:cNvSpPr>
+          <p:nvPr>
+            <p:ph type="title"/>
+          </p:nvPr>
+        </p:nvSpPr>
+        <p:spPr/>
+        <p:txBody>
+          <a:bodyPr/>
+          <a:lstStyle/>
+          <a:p>
+            <a:r>
+              <a:rPr lang="fr-CH" dirty="0" smtClean="0"/>
+              <a:t>Conclusion</a:t>
+            </a:r>
+            <a:endParaRPr lang="fr-CH" dirty="0"/>
+          </a:p>
+        </p:txBody>
+      </p:sp>
+      <p:sp>
+        <p:nvSpPr>
+          <p:cNvPr id="3" name="Espace réservé du contenu 2"/>
+          <p:cNvSpPr>
+            <a:spLocks noGrp="1"/>
+          </p:cNvSpPr>
+          <p:nvPr>
+            <p:ph idx="1"/>
+          </p:nvPr>
+        </p:nvSpPr>
+        <p:spPr>
+          <a:xfrm>
+            <a:off x="581192" y="2296187"/>
+            <a:ext cx="4181308" cy="2290099"/>
+          </a:xfrm>
+        </p:spPr>
+        <p:style>
+          <a:lnRef idx="1">
+            <a:schemeClr val="accent1"/>
+          </a:lnRef>
+          <a:fillRef idx="3">
+            <a:schemeClr val="accent1"/>
+          </a:fillRef>
+          <a:effectRef idx="2">
+            <a:schemeClr val="accent1"/>
+          </a:effectRef>
+          <a:fontRef idx="minor">
+            <a:schemeClr val="lt1"/>
+          </a:fontRef>
+        </p:style>
+        <p:txBody>
+          <a:bodyPr>
+            <a:normAutofit/>
+          </a:bodyPr>
+          <a:lstStyle/>
+          <a:p>
+            <a:r>
+              <a:rPr lang="fr-CH" sz="2400" dirty="0" smtClean="0"/>
+              <a:t>Projet fun</a:t>
+            </a:r>
+          </a:p>
+          <a:p>
+            <a:r>
+              <a:rPr lang="fr-CH" sz="2400" dirty="0" smtClean="0"/>
+              <a:t>Nouvelles technologies</a:t>
+            </a:r>
+          </a:p>
+          <a:p>
+            <a:r>
+              <a:rPr lang="fr-CH" sz="2400" dirty="0" smtClean="0"/>
+              <a:t>Manque de temps</a:t>
+            </a:r>
+          </a:p>
+        </p:txBody>
+      </p:sp>
+      <p:pic>
+        <p:nvPicPr>
+          <p:cNvPr id="4" name="Image 3"/>
+          <p:cNvPicPr>
+            <a:picLocks noChangeAspect="1"/>
+          </p:cNvPicPr>
+          <p:nvPr/>
+        </p:nvPicPr>
+        <p:blipFill>
+          <a:blip r:embed="rId2"/>
+          <a:stretch>
+            <a:fillRect/>
+          </a:stretch>
+        </p:blipFill>
+        <p:spPr>
+          <a:xfrm>
+            <a:off x="7098757" y="3124199"/>
+            <a:ext cx="3431130" cy="2924175"/>
+          </a:xfrm>
+          <a:prstGeom prst="rect">
+            <a:avLst/>
+          </a:prstGeom>
+        </p:spPr>
+      </p:pic>
+    </p:spTree>
+    <p:extLst>
+      <p:ext uri="{BB962C8B-B14F-4D97-AF65-F5344CB8AC3E}">
+        <p14:creationId xmlns:p14="http://schemas.microsoft.com/office/powerpoint/2010/main" val="2868564563"/>
+      </p:ext>
+    </p:extLst>
+  </p:cSld>
+  <p:clrMapOvr>
+    <a:masterClrMapping/>
+  </p:clrMapOvr>
+  <p:timing>
+    <p:tnLst>
+      <p:par>
+        <p:cTn id="1" dur="indefinite" restart="never" nodeType="tmRoot"/>
+      </p:par>
+    </p:tnLst>
+  </p:timing>
+</p:sld>
+</file>
+
+<file path=ppt/slides/slide8.xml><?xml version="1.0" encoding="utf-8"?>
+<p:sld xmlns:a="http://schemas.openxmlformats.org/drawingml/2006/main" xmlns:r="http://schemas.openxmlformats.org/officeDocument/2006/relationships" xmlns:p="http://schemas.openxmlformats.org/presentationml/2006/main">
+  <p:cSld>
+    <p:spTree>
+      <p:nvGrpSpPr>
+        <p:cNvPr id="1" name=""/>
+        <p:cNvGrpSpPr/>
+        <p:nvPr/>
+      </p:nvGrpSpPr>
+      <p:grpSpPr>
+        <a:xfrm>
+          <a:off x="0" y="0"/>
+          <a:ext cx="0" cy="0"/>
+          <a:chOff x="0" y="0"/>
+          <a:chExt cx="0" cy="0"/>
+        </a:xfrm>
+      </p:grpSpPr>
+      <p:sp>
+        <p:nvSpPr>
+          <p:cNvPr id="2" name="Titre 1"/>
+          <p:cNvSpPr>
+            <a:spLocks noGrp="1"/>
+          </p:cNvSpPr>
+          <p:nvPr>
+            <p:ph type="title"/>
+          </p:nvPr>
+        </p:nvSpPr>
+        <p:spPr/>
+        <p:txBody>
+          <a:bodyPr/>
+          <a:lstStyle/>
+          <a:p>
+            <a:r>
+              <a:rPr lang="fr-CH" dirty="0" smtClean="0"/>
               <a:t>Démo</a:t>
             </a:r>
             <a:endParaRPr lang="fr-CH" dirty="0"/>
@@ -4560,6 +5064,13 @@
   <p:clrMapOvr>
     <a:masterClrMapping/>
   </p:clrMapOvr>
+  <p:timing>
+    <p:tnLst>
+      <p:par>
+        <p:cTn id="1" dur="indefinite" restart="never" nodeType="tmRoot"/>
+      </p:par>
+    </p:tnLst>
+  </p:timing>
 </p:sld>
 </file>
 
